--- a/Veeve.pptx
+++ b/Veeve.pptx
@@ -27582,6 +27582,13 @@
               <a:t> Vault Spark messaging</a:t>
             </a:r>
           </a:p>
+          <a:p>
+            <a:pPr lvl="1"/>
+            <a:r>
+              <a:rPr lang="en-US" dirty="0"/>
+              <a:t>OAuth2/OIDC Delegated Requests Authorization</a:t>
+            </a:r>
+          </a:p>
         </p:txBody>
       </p:sp>
       <p:sp>
@@ -27748,10 +27755,10 @@
       </p:sp>
       <p:pic>
         <p:nvPicPr>
-          <p:cNvPr id="8" name="Picture 7">
+          <p:cNvPr id="10" name="Picture 9">
             <a:extLst>
               <a:ext uri="{FF2B5EF4-FFF2-40B4-BE49-F238E27FC236}">
-                <a16:creationId xmlns:a16="http://schemas.microsoft.com/office/drawing/2014/main" id="{39E62D35-B9D2-7857-68E8-4E46677A92A3}"/>
+                <a16:creationId xmlns:a16="http://schemas.microsoft.com/office/drawing/2014/main" id="{9C5CAE5E-3AD9-0F14-6CF8-146181087363}"/>
               </a:ext>
             </a:extLst>
           </p:cNvPr>
@@ -27768,8 +27775,8 @@
         </p:blipFill>
         <p:spPr>
           <a:xfrm>
-            <a:off x="2140216" y="1463179"/>
-            <a:ext cx="7390326" cy="4913781"/>
+            <a:off x="1766144" y="1371600"/>
+            <a:ext cx="7649161" cy="5045191"/>
           </a:xfrm>
           <a:prstGeom prst="rect">
             <a:avLst/>

--- a/Veeve.pptx
+++ b/Veeve.pptx
@@ -5,18 +5,20 @@
     <p:sldMasterId id="2147483648" r:id="rId4"/>
   </p:sldMasterIdLst>
   <p:notesMasterIdLst>
-    <p:notesMasterId r:id="rId11"/>
+    <p:notesMasterId r:id="rId13"/>
   </p:notesMasterIdLst>
   <p:handoutMasterIdLst>
-    <p:handoutMasterId r:id="rId12"/>
+    <p:handoutMasterId r:id="rId14"/>
   </p:handoutMasterIdLst>
   <p:sldIdLst>
     <p:sldId id="317" r:id="rId5"/>
-    <p:sldId id="309" r:id="rId6"/>
-    <p:sldId id="263" r:id="rId7"/>
-    <p:sldId id="310" r:id="rId8"/>
-    <p:sldId id="311" r:id="rId9"/>
-    <p:sldId id="304" r:id="rId10"/>
+    <p:sldId id="319" r:id="rId6"/>
+    <p:sldId id="320" r:id="rId7"/>
+    <p:sldId id="309" r:id="rId8"/>
+    <p:sldId id="263" r:id="rId9"/>
+    <p:sldId id="310" r:id="rId10"/>
+    <p:sldId id="311" r:id="rId11"/>
+    <p:sldId id="304" r:id="rId12"/>
   </p:sldIdLst>
   <p:sldSz cx="12192000" cy="6858000"/>
   <p:notesSz cx="6858000" cy="9144000"/>
@@ -837,7 +839,7 @@
           <a:p>
             <a:fld id="{7C366290-4595-5745-A50F-D5EC13BAC604}" type="slidenum">
               <a:rPr lang="en-US" noProof="0" smtClean="0"/>
-              <a:t>2</a:t>
+              <a:t>4</a:t>
             </a:fld>
             <a:endParaRPr lang="en-US" noProof="0" dirty="0"/>
           </a:p>
@@ -921,7 +923,7 @@
           <a:p>
             <a:fld id="{7C366290-4595-5745-A50F-D5EC13BAC604}" type="slidenum">
               <a:rPr lang="en-US" noProof="0" smtClean="0"/>
-              <a:t>3</a:t>
+              <a:t>5</a:t>
             </a:fld>
             <a:endParaRPr lang="en-US" noProof="0" dirty="0"/>
           </a:p>
@@ -1005,7 +1007,7 @@
           <a:p>
             <a:fld id="{7C366290-4595-5745-A50F-D5EC13BAC604}" type="slidenum">
               <a:rPr lang="en-US" noProof="0" smtClean="0"/>
-              <a:t>4</a:t>
+              <a:t>6</a:t>
             </a:fld>
             <a:endParaRPr lang="en-US" noProof="0" dirty="0"/>
           </a:p>
@@ -1089,7 +1091,7 @@
           <a:p>
             <a:fld id="{7C366290-4595-5745-A50F-D5EC13BAC604}" type="slidenum">
               <a:rPr lang="en-US" noProof="0" smtClean="0"/>
-              <a:t>5</a:t>
+              <a:t>7</a:t>
             </a:fld>
             <a:endParaRPr lang="en-US" noProof="0" dirty="0"/>
           </a:p>
@@ -1173,7 +1175,7 @@
           <a:p>
             <a:fld id="{7C366290-4595-5745-A50F-D5EC13BAC604}" type="slidenum">
               <a:rPr lang="en-US" noProof="0" smtClean="0"/>
-              <a:t>6</a:t>
+              <a:t>8</a:t>
             </a:fld>
             <a:endParaRPr lang="en-US" noProof="0" dirty="0"/>
           </a:p>
@@ -27150,13 +27152,30 @@
           <a:bodyPr anchor="ctr"/>
           <a:lstStyle/>
           <a:p>
-            <a:r>
-              <a:rPr lang="en-US" dirty="0" err="1"/>
-              <a:t>Veeve</a:t>
-            </a:r>
+            <a:pPr algn="r"/>
             <a:r>
               <a:rPr lang="en-US" dirty="0"/>
-              <a:t>: Candidate Case Study</a:t>
+              <a:t>Veeve: Candidate Case Study</a:t>
+            </a:r>
+            <a:br>
+              <a:rPr lang="en-US" dirty="0"/>
+            </a:br>
+            <a:br>
+              <a:rPr lang="en-US" dirty="0"/>
+            </a:br>
+            <a:br>
+              <a:rPr lang="en-US" dirty="0"/>
+            </a:br>
+            <a:r>
+              <a:rPr lang="en-US" sz="2400" dirty="0"/>
+              <a:t>Candidate: Natalya Sniff</a:t>
+            </a:r>
+            <a:br>
+              <a:rPr lang="en-US" sz="2400" dirty="0"/>
+            </a:br>
+            <a:r>
+              <a:rPr lang="en-US" sz="2400" dirty="0"/>
+              <a:t>Date: 08/07/2025</a:t>
             </a:r>
           </a:p>
         </p:txBody>
@@ -27175,6 +27194,384 @@
 </file>
 
 <file path=ppt/slides/slide2.xml><?xml version="1.0" encoding="utf-8"?>
+<p:sld xmlns:a="http://schemas.openxmlformats.org/drawingml/2006/main" xmlns:r="http://schemas.openxmlformats.org/officeDocument/2006/relationships" xmlns:p="http://schemas.openxmlformats.org/presentationml/2006/main">
+  <p:cSld>
+    <p:spTree>
+      <p:nvGrpSpPr>
+        <p:cNvPr id="1" name=""/>
+        <p:cNvGrpSpPr/>
+        <p:nvPr/>
+      </p:nvGrpSpPr>
+      <p:grpSpPr>
+        <a:xfrm>
+          <a:off x="0" y="0"/>
+          <a:ext cx="0" cy="0"/>
+          <a:chOff x="0" y="0"/>
+          <a:chExt cx="0" cy="0"/>
+        </a:xfrm>
+      </p:grpSpPr>
+      <p:sp>
+        <p:nvSpPr>
+          <p:cNvPr id="2" name="Title 1">
+            <a:extLst>
+              <a:ext uri="{FF2B5EF4-FFF2-40B4-BE49-F238E27FC236}">
+                <a16:creationId xmlns:a16="http://schemas.microsoft.com/office/drawing/2014/main" id="{A731A4B1-2313-E66B-8603-4681900558AF}"/>
+              </a:ext>
+            </a:extLst>
+          </p:cNvPr>
+          <p:cNvSpPr>
+            <a:spLocks noGrp="1"/>
+          </p:cNvSpPr>
+          <p:nvPr>
+            <p:ph type="title"/>
+          </p:nvPr>
+        </p:nvSpPr>
+        <p:spPr>
+          <a:xfrm>
+            <a:off x="740872" y="519545"/>
+            <a:ext cx="10360152" cy="914400"/>
+          </a:xfrm>
+        </p:spPr>
+        <p:txBody>
+          <a:bodyPr/>
+          <a:lstStyle/>
+          <a:p>
+            <a:r>
+              <a:rPr lang="en-US" dirty="0"/>
+              <a:t>Technical Requirements</a:t>
+            </a:r>
+          </a:p>
+        </p:txBody>
+      </p:sp>
+      <p:sp>
+        <p:nvSpPr>
+          <p:cNvPr id="5" name="Slide Number Placeholder 4">
+            <a:extLst>
+              <a:ext uri="{FF2B5EF4-FFF2-40B4-BE49-F238E27FC236}">
+                <a16:creationId xmlns:a16="http://schemas.microsoft.com/office/drawing/2014/main" id="{8D61F863-6D95-DF00-81BC-8E7A08603D1D}"/>
+              </a:ext>
+            </a:extLst>
+          </p:cNvPr>
+          <p:cNvSpPr>
+            <a:spLocks noGrp="1"/>
+          </p:cNvSpPr>
+          <p:nvPr>
+            <p:ph type="sldNum" sz="quarter" idx="4"/>
+          </p:nvPr>
+        </p:nvSpPr>
+        <p:spPr/>
+        <p:txBody>
+          <a:bodyPr/>
+          <a:lstStyle/>
+          <a:p>
+            <a:fld id="{58FB4751-880F-D840-AAA9-3A15815CC996}" type="slidenum">
+              <a:rPr lang="en-US" smtClean="0"/>
+              <a:pPr/>
+              <a:t>2</a:t>
+            </a:fld>
+            <a:endParaRPr lang="en-US" dirty="0"/>
+          </a:p>
+        </p:txBody>
+      </p:sp>
+      <p:sp>
+        <p:nvSpPr>
+          <p:cNvPr id="9" name="TextBox 8">
+            <a:extLst>
+              <a:ext uri="{FF2B5EF4-FFF2-40B4-BE49-F238E27FC236}">
+                <a16:creationId xmlns:a16="http://schemas.microsoft.com/office/drawing/2014/main" id="{888DF031-9D52-AB5C-4415-7B7427ACDB11}"/>
+              </a:ext>
+            </a:extLst>
+          </p:cNvPr>
+          <p:cNvSpPr txBox="1"/>
+          <p:nvPr/>
+        </p:nvSpPr>
+        <p:spPr>
+          <a:xfrm>
+            <a:off x="678526" y="1346660"/>
+            <a:ext cx="9824604" cy="4801314"/>
+          </a:xfrm>
+          <a:prstGeom prst="rect">
+            <a:avLst/>
+          </a:prstGeom>
+          <a:noFill/>
+        </p:spPr>
+        <p:txBody>
+          <a:bodyPr wrap="square">
+            <a:spAutoFit/>
+          </a:bodyPr>
+          <a:lstStyle/>
+          <a:p>
+            <a:r>
+              <a:rPr lang="en-US" dirty="0"/>
+              <a:t>• Website</a:t>
+            </a:r>
+          </a:p>
+          <a:p>
+            <a:r>
+              <a:rPr lang="en-US" dirty="0"/>
+              <a:t>− Build a website for the HCP to find the appropriate MSL</a:t>
+            </a:r>
+          </a:p>
+          <a:p>
+            <a:r>
+              <a:rPr lang="en-US" dirty="0"/>
+              <a:t>− The form should contain fields for HCPs at minimum</a:t>
+            </a:r>
+          </a:p>
+          <a:p>
+            <a:r>
+              <a:rPr lang="en-US" dirty="0"/>
+              <a:t>• HCP Name, HCP Email or Phone, NPI Number, Dropdown list of Therapeutic Areas, Zip Code</a:t>
+            </a:r>
+          </a:p>
+          <a:p>
+            <a:r>
+              <a:rPr lang="en-US" dirty="0"/>
+              <a:t>− Upon Submit, the form should send fields data to search for MSL in Vault CRM</a:t>
+            </a:r>
+          </a:p>
+          <a:p>
+            <a:r>
+              <a:rPr lang="en-US" dirty="0"/>
+              <a:t>• Receive MSL information from Vault CRM</a:t>
+            </a:r>
+          </a:p>
+          <a:p>
+            <a:r>
+              <a:rPr lang="en-US" dirty="0"/>
+              <a:t>− Display the MSL information from Vault CRM to the HCP on the Website</a:t>
+            </a:r>
+          </a:p>
+          <a:p>
+            <a:r>
+              <a:rPr lang="en-US" dirty="0"/>
+              <a:t>• Allow HCP to download Contact Card</a:t>
+            </a:r>
+          </a:p>
+          <a:p>
+            <a:r>
+              <a:rPr lang="en-US" dirty="0"/>
+              <a:t>• Allow HCP to send request for call back from the MSL</a:t>
+            </a:r>
+          </a:p>
+          <a:p>
+            <a:endParaRPr lang="en-US" dirty="0"/>
+          </a:p>
+          <a:p>
+            <a:r>
+              <a:rPr lang="en-US" dirty="0"/>
+              <a:t>• Vault CRM</a:t>
+            </a:r>
+          </a:p>
+          <a:p>
+            <a:r>
+              <a:rPr lang="en-US" dirty="0"/>
+              <a:t>− Build a Custom Web API that will search for MSL based on info from website</a:t>
+            </a:r>
+          </a:p>
+          <a:p>
+            <a:r>
+              <a:rPr lang="en-US" dirty="0"/>
+              <a:t>• Find MSL based on Zip Code and Therapeutic Area</a:t>
+            </a:r>
+          </a:p>
+          <a:p>
+            <a:r>
+              <a:rPr lang="en-US" dirty="0"/>
+              <a:t>• If MSL is not available, find the Manager of the MSL</a:t>
+            </a:r>
+          </a:p>
+          <a:p>
+            <a:r>
+              <a:rPr lang="en-US" dirty="0"/>
+              <a:t>− Surface the callback request from HCP to the MSL in Vault CRM</a:t>
+            </a:r>
+          </a:p>
+          <a:p>
+            <a:r>
+              <a:rPr lang="en-US" dirty="0"/>
+              <a:t>• Show callback channel</a:t>
+            </a:r>
+          </a:p>
+          <a:p>
+            <a:r>
+              <a:rPr lang="en-US" dirty="0"/>
+              <a:t>− Build a report or custom page to display effectiveness of this channel</a:t>
+            </a:r>
+          </a:p>
+        </p:txBody>
+      </p:sp>
+    </p:spTree>
+    <p:extLst>
+      <p:ext uri="{BB962C8B-B14F-4D97-AF65-F5344CB8AC3E}">
+        <p14:creationId xmlns:p14="http://schemas.microsoft.com/office/powerpoint/2010/main" val="3773123338"/>
+      </p:ext>
+    </p:extLst>
+  </p:cSld>
+  <p:clrMapOvr>
+    <a:masterClrMapping/>
+  </p:clrMapOvr>
+</p:sld>
+</file>
+
+<file path=ppt/slides/slide3.xml><?xml version="1.0" encoding="utf-8"?>
+<p:sld xmlns:a="http://schemas.openxmlformats.org/drawingml/2006/main" xmlns:r="http://schemas.openxmlformats.org/officeDocument/2006/relationships" xmlns:p="http://schemas.openxmlformats.org/presentationml/2006/main">
+  <p:cSld>
+    <p:spTree>
+      <p:nvGrpSpPr>
+        <p:cNvPr id="1" name=""/>
+        <p:cNvGrpSpPr/>
+        <p:nvPr/>
+      </p:nvGrpSpPr>
+      <p:grpSpPr>
+        <a:xfrm>
+          <a:off x="0" y="0"/>
+          <a:ext cx="0" cy="0"/>
+          <a:chOff x="0" y="0"/>
+          <a:chExt cx="0" cy="0"/>
+        </a:xfrm>
+      </p:grpSpPr>
+      <p:sp>
+        <p:nvSpPr>
+          <p:cNvPr id="2" name="Title 1">
+            <a:extLst>
+              <a:ext uri="{FF2B5EF4-FFF2-40B4-BE49-F238E27FC236}">
+                <a16:creationId xmlns:a16="http://schemas.microsoft.com/office/drawing/2014/main" id="{D006E1E2-2C3A-936D-112F-D0D914812836}"/>
+              </a:ext>
+            </a:extLst>
+          </p:cNvPr>
+          <p:cNvSpPr>
+            <a:spLocks noGrp="1"/>
+          </p:cNvSpPr>
+          <p:nvPr>
+            <p:ph type="title"/>
+          </p:nvPr>
+        </p:nvSpPr>
+        <p:spPr/>
+        <p:txBody>
+          <a:bodyPr/>
+          <a:lstStyle/>
+          <a:p>
+            <a:r>
+              <a:rPr lang="en-US" dirty="0"/>
+              <a:t>Assumptions</a:t>
+            </a:r>
+          </a:p>
+        </p:txBody>
+      </p:sp>
+      <p:sp>
+        <p:nvSpPr>
+          <p:cNvPr id="3" name="Content Placeholder 2">
+            <a:extLst>
+              <a:ext uri="{FF2B5EF4-FFF2-40B4-BE49-F238E27FC236}">
+                <a16:creationId xmlns:a16="http://schemas.microsoft.com/office/drawing/2014/main" id="{BD001C11-1ECC-556D-2D48-1884F32BEEDD}"/>
+              </a:ext>
+            </a:extLst>
+          </p:cNvPr>
+          <p:cNvSpPr>
+            <a:spLocks noGrp="1"/>
+          </p:cNvSpPr>
+          <p:nvPr>
+            <p:ph sz="quarter" idx="12"/>
+          </p:nvPr>
+        </p:nvSpPr>
+        <p:spPr>
+          <a:xfrm>
+            <a:off x="778174" y="2139594"/>
+            <a:ext cx="6753065" cy="3840480"/>
+          </a:xfrm>
+        </p:spPr>
+        <p:txBody>
+          <a:bodyPr>
+            <a:normAutofit/>
+          </a:bodyPr>
+          <a:lstStyle/>
+          <a:p>
+            <a:pPr marL="342900" indent="-342900">
+              <a:buFont typeface="Arial" panose="020B0604020202020204" pitchFamily="34" charset="0"/>
+              <a:buChar char="•"/>
+            </a:pPr>
+            <a:r>
+              <a:rPr lang="en-US" dirty="0"/>
+              <a:t>Assumed that logged into web application user is the healthcare provider (HCP)</a:t>
+            </a:r>
+          </a:p>
+          <a:p>
+            <a:pPr marL="342900" indent="-342900">
+              <a:buFont typeface="Arial" panose="020B0604020202020204" pitchFamily="34" charset="0"/>
+              <a:buChar char="•"/>
+            </a:pPr>
+            <a:r>
+              <a:rPr lang="en-US" dirty="0"/>
+              <a:t>Assumed that in Veeve Vault are multiple companies, that differ by zip code location and therapeutical areas.</a:t>
+            </a:r>
+          </a:p>
+          <a:p>
+            <a:pPr marL="342900" indent="-342900">
+              <a:buFont typeface="Arial" panose="020B0604020202020204" pitchFamily="34" charset="0"/>
+              <a:buChar char="•"/>
+            </a:pPr>
+            <a:r>
+              <a:rPr lang="en-US" dirty="0"/>
+              <a:t>Assumed that medical science liaison is determined by department they are in (MSL)</a:t>
+            </a:r>
+          </a:p>
+          <a:p>
+            <a:pPr marL="342900" indent="-342900">
+              <a:buFont typeface="Arial" panose="020B0604020202020204" pitchFamily="34" charset="0"/>
+              <a:buChar char="•"/>
+            </a:pPr>
+            <a:r>
+              <a:rPr lang="en-US" dirty="0"/>
+              <a:t>Assumed that medical science liaison would not have title of manager and would have ‘specialist’ word in the title (subject to change)</a:t>
+            </a:r>
+          </a:p>
+        </p:txBody>
+      </p:sp>
+      <p:sp>
+        <p:nvSpPr>
+          <p:cNvPr id="4" name="Slide Number Placeholder 3">
+            <a:extLst>
+              <a:ext uri="{FF2B5EF4-FFF2-40B4-BE49-F238E27FC236}">
+                <a16:creationId xmlns:a16="http://schemas.microsoft.com/office/drawing/2014/main" id="{3725D0E8-9D47-181A-29C3-9DDBA9E662A4}"/>
+              </a:ext>
+            </a:extLst>
+          </p:cNvPr>
+          <p:cNvSpPr>
+            <a:spLocks noGrp="1"/>
+          </p:cNvSpPr>
+          <p:nvPr>
+            <p:ph type="sldNum" sz="quarter" idx="4"/>
+          </p:nvPr>
+        </p:nvSpPr>
+        <p:spPr/>
+        <p:txBody>
+          <a:bodyPr/>
+          <a:lstStyle/>
+          <a:p>
+            <a:fld id="{58FB4751-880F-D840-AAA9-3A15815CC996}" type="slidenum">
+              <a:rPr lang="en-US" smtClean="0"/>
+              <a:pPr/>
+              <a:t>3</a:t>
+            </a:fld>
+            <a:endParaRPr lang="en-US" dirty="0"/>
+          </a:p>
+        </p:txBody>
+      </p:sp>
+    </p:spTree>
+    <p:extLst>
+      <p:ext uri="{BB962C8B-B14F-4D97-AF65-F5344CB8AC3E}">
+        <p14:creationId xmlns:p14="http://schemas.microsoft.com/office/powerpoint/2010/main" val="482453452"/>
+      </p:ext>
+    </p:extLst>
+  </p:cSld>
+  <p:clrMapOvr>
+    <a:masterClrMapping/>
+  </p:clrMapOvr>
+</p:sld>
+</file>
+
+<file path=ppt/slides/slide4.xml><?xml version="1.0" encoding="utf-8"?>
 <p:sld xmlns:a="http://schemas.openxmlformats.org/drawingml/2006/main" xmlns:r="http://schemas.openxmlformats.org/officeDocument/2006/relationships" xmlns:p="http://schemas.openxmlformats.org/presentationml/2006/main">
   <p:cSld>
     <p:spTree>
@@ -27249,7 +27646,7 @@
         </p:spPr>
         <p:txBody>
           <a:bodyPr>
-            <a:normAutofit/>
+            <a:normAutofit fontScale="92500" lnSpcReduction="20000"/>
           </a:bodyPr>
           <a:lstStyle/>
           <a:p>
@@ -27261,56 +27658,61 @@
           <a:p>
             <a:r>
               <a:rPr lang="en-US" dirty="0"/>
-              <a:t>AWS Lambda to process requests to </a:t>
-            </a:r>
-            <a:r>
-              <a:rPr lang="en-US" dirty="0" err="1"/>
-              <a:t>Veeve</a:t>
-            </a:r>
-            <a:r>
-              <a:rPr lang="en-US" dirty="0"/>
-              <a:t> Vault</a:t>
+              <a:t>AWS Lambda to process requests to Veeve Vault</a:t>
             </a:r>
           </a:p>
           <a:p>
             <a:r>
-              <a:rPr lang="en-US" dirty="0" err="1"/>
-              <a:t>Veeve</a:t>
-            </a:r>
-            <a:r>
               <a:rPr lang="en-US" dirty="0"/>
-              <a:t> Vault Custom Web API</a:t>
+              <a:t>Veeve Vault Custom Web API</a:t>
             </a:r>
           </a:p>
           <a:p>
             <a:r>
-              <a:rPr lang="en-US" dirty="0" err="1"/>
-              <a:t>Veeve</a:t>
-            </a:r>
-            <a:r>
               <a:rPr lang="en-US" dirty="0"/>
-              <a:t> Vault triggers to update Picklist values and send Notifications about received request</a:t>
+              <a:t>Veeve Vault triggers to update Picklist values and send Notifications about received request</a:t>
             </a:r>
           </a:p>
           <a:p>
             <a:r>
-              <a:rPr lang="en-US" dirty="0" err="1"/>
-              <a:t>Veeve</a:t>
-            </a:r>
-            <a:r>
               <a:rPr lang="en-US" dirty="0"/>
-              <a:t> Vault Notifications </a:t>
+              <a:t>Veeve Vault Notifications </a:t>
             </a:r>
           </a:p>
           <a:p>
             <a:r>
-              <a:rPr lang="en-US" dirty="0" err="1"/>
-              <a:t>Veeve</a:t>
+              <a:rPr lang="en-US" dirty="0"/>
+              <a:t>Veeve Vault Reporting and Dashboard to track effectiveness of the process</a:t>
+            </a:r>
+          </a:p>
+          <a:p>
+            <a:r>
+              <a:rPr lang="en-US" dirty="0"/>
+              <a:t>Important links: </a:t>
+            </a:r>
+          </a:p>
+          <a:p>
+            <a:pPr lvl="1"/>
+            <a:r>
+              <a:rPr lang="en-US" dirty="0">
+                <a:hlinkClick r:id="rId3"/>
+              </a:rPr>
+              <a:t>Users Pool</a:t>
             </a:r>
             <a:r>
               <a:rPr lang="en-US" dirty="0"/>
-              <a:t> Vault Reporting and Dashboard to track effectiveness of the process</a:t>
+              <a:t> </a:t>
             </a:r>
+          </a:p>
+          <a:p>
+            <a:pPr lvl="1"/>
+            <a:r>
+              <a:rPr lang="en-US" dirty="0">
+                <a:hlinkClick r:id="rId4"/>
+              </a:rPr>
+              <a:t>Veeve Vault</a:t>
+            </a:r>
+            <a:endParaRPr lang="en-US" dirty="0"/>
           </a:p>
         </p:txBody>
       </p:sp>
@@ -27343,7 +27745,7 @@
             <a:fld id="{58FB4751-880F-D840-AAA9-3A15815CC996}" type="slidenum">
               <a:rPr lang="en-US" smtClean="0"/>
               <a:pPr/>
-              <a:t>2</a:t>
+              <a:t>4</a:t>
             </a:fld>
             <a:endParaRPr lang="en-US" dirty="0"/>
           </a:p>
@@ -27362,7 +27764,7 @@
 </p:sld>
 </file>
 
-<file path=ppt/slides/slide3.xml><?xml version="1.0" encoding="utf-8"?>
+<file path=ppt/slides/slide5.xml><?xml version="1.0" encoding="utf-8"?>
 <p:sld xmlns:a="http://schemas.openxmlformats.org/drawingml/2006/main" xmlns:r="http://schemas.openxmlformats.org/officeDocument/2006/relationships" xmlns:p="http://schemas.openxmlformats.org/presentationml/2006/main">
   <p:cSld>
     <p:spTree>
@@ -27397,7 +27799,7 @@
         </p:nvSpPr>
         <p:spPr>
           <a:xfrm>
-            <a:off x="914400" y="914400"/>
+            <a:off x="957129" y="336620"/>
             <a:ext cx="7534656" cy="914400"/>
           </a:xfrm>
         </p:spPr>
@@ -27452,7 +27854,7 @@
                   <a:spcPts val="600"/>
                 </a:spcAft>
               </a:pPr>
-              <a:t>3</a:t>
+              <a:t>5</a:t>
             </a:fld>
             <a:endParaRPr lang="en-US"/>
           </a:p>
@@ -27460,10 +27862,10 @@
       </p:sp>
       <p:pic>
         <p:nvPicPr>
-          <p:cNvPr id="12" name="Picture 11">
+          <p:cNvPr id="18" name="Picture 17">
             <a:extLst>
               <a:ext uri="{FF2B5EF4-FFF2-40B4-BE49-F238E27FC236}">
-                <a16:creationId xmlns:a16="http://schemas.microsoft.com/office/drawing/2014/main" id="{CC1529A1-1DF8-A40F-1D8D-EA289B05EF5C}"/>
+                <a16:creationId xmlns:a16="http://schemas.microsoft.com/office/drawing/2014/main" id="{D1F83E26-5255-A591-7330-F0227526C20F}"/>
               </a:ext>
             </a:extLst>
           </p:cNvPr>
@@ -27480,8 +27882,8 @@
         </p:blipFill>
         <p:spPr>
           <a:xfrm>
-            <a:off x="1612855" y="2036459"/>
-            <a:ext cx="8582705" cy="4089031"/>
+            <a:off x="1132976" y="1528135"/>
+            <a:ext cx="9478083" cy="4581477"/>
           </a:xfrm>
           <a:prstGeom prst="rect">
             <a:avLst/>
@@ -27501,7 +27903,7 @@
 </p:sld>
 </file>
 
-<file path=ppt/slides/slide4.xml><?xml version="1.0" encoding="utf-8"?>
+<file path=ppt/slides/slide6.xml><?xml version="1.0" encoding="utf-8"?>
 <p:sld xmlns:a="http://schemas.openxmlformats.org/drawingml/2006/main" xmlns:r="http://schemas.openxmlformats.org/officeDocument/2006/relationships" xmlns:p="http://schemas.openxmlformats.org/presentationml/2006/main">
   <p:cSld>
     <p:bg>
@@ -27574,12 +27976,8 @@
           <a:p>
             <a:pPr lvl="1"/>
             <a:r>
-              <a:rPr lang="en-US" dirty="0" err="1"/>
-              <a:t>Veeve</a:t>
-            </a:r>
-            <a:r>
               <a:rPr lang="en-US" dirty="0"/>
-              <a:t> Vault Spark messaging</a:t>
+              <a:t>Veeve Vault Spark messaging</a:t>
             </a:r>
           </a:p>
           <a:p>
@@ -27620,7 +28018,7 @@
             <a:fld id="{58FB4751-880F-D840-AAA9-3A15815CC996}" type="slidenum">
               <a:rPr lang="en-US" smtClean="0"/>
               <a:pPr/>
-              <a:t>4</a:t>
+              <a:t>6</a:t>
             </a:fld>
             <a:endParaRPr lang="en-US" dirty="0"/>
           </a:p>
@@ -27667,7 +28065,7 @@
 </p:sld>
 </file>
 
-<file path=ppt/slides/slide5.xml><?xml version="1.0" encoding="utf-8"?>
+<file path=ppt/slides/slide7.xml><?xml version="1.0" encoding="utf-8"?>
 <p:sld xmlns:a="http://schemas.openxmlformats.org/drawingml/2006/main" xmlns:r="http://schemas.openxmlformats.org/officeDocument/2006/relationships" xmlns:p="http://schemas.openxmlformats.org/presentationml/2006/main">
   <p:cSld>
     <p:spTree>
@@ -27747,7 +28145,7 @@
             <a:fld id="{58FB4751-880F-D840-AAA9-3A15815CC996}" type="slidenum">
               <a:rPr lang="en-US" smtClean="0"/>
               <a:pPr/>
-              <a:t>5</a:t>
+              <a:t>7</a:t>
             </a:fld>
             <a:endParaRPr lang="en-US" dirty="0"/>
           </a:p>
@@ -27796,7 +28194,7 @@
 </p:sld>
 </file>
 
-<file path=ppt/slides/slide6.xml><?xml version="1.0" encoding="utf-8"?>
+<file path=ppt/slides/slide8.xml><?xml version="1.0" encoding="utf-8"?>
 <p:sld xmlns:a="http://schemas.openxmlformats.org/drawingml/2006/main" xmlns:r="http://schemas.openxmlformats.org/officeDocument/2006/relationships" xmlns:p="http://schemas.openxmlformats.org/presentationml/2006/main">
   <p:cSld>
     <p:bg>
